--- a/Sprint3/Sprint 3 Client Presenation.pptx
+++ b/Sprint3/Sprint 3 Client Presenation.pptx
@@ -6211,6 +6211,13 @@
   <p:clrMapOvr>
     <a:masterClrMapping/>
   </p:clrMapOvr>
+  <p:timing>
+    <p:tnLst>
+      <p:par>
+        <p:cTn id="1" dur="indefinite" restart="never" nodeType="tmRoot"/>
+      </p:par>
+    </p:tnLst>
+  </p:timing>
 </p:sld>
 </file>
 
@@ -6329,6 +6336,13 @@
   <p:clrMapOvr>
     <a:masterClrMapping/>
   </p:clrMapOvr>
+  <p:timing>
+    <p:tnLst>
+      <p:par>
+        <p:cTn id="1" dur="indefinite" restart="never" nodeType="tmRoot"/>
+      </p:par>
+    </p:tnLst>
+  </p:timing>
 </p:sld>
 </file>
 
@@ -6764,6 +6778,13 @@
   <p:clrMapOvr>
     <a:masterClrMapping/>
   </p:clrMapOvr>
+  <p:timing>
+    <p:tnLst>
+      <p:par>
+        <p:cTn id="1" dur="indefinite" restart="never" nodeType="tmRoot"/>
+      </p:par>
+    </p:tnLst>
+  </p:timing>
 </p:sld>
 </file>
 
@@ -7315,8 +7336,8 @@
         </p:blipFill>
         <p:spPr>
           <a:xfrm>
-            <a:off x="677334" y="1400932"/>
-            <a:ext cx="7692943" cy="4821812"/>
+            <a:off x="777362" y="1400932"/>
+            <a:ext cx="7492887" cy="4821812"/>
           </a:xfrm>
         </p:spPr>
       </p:pic>
@@ -7330,6 +7351,13 @@
   <p:clrMapOvr>
     <a:masterClrMapping/>
   </p:clrMapOvr>
+  <p:timing>
+    <p:tnLst>
+      <p:par>
+        <p:cTn id="1" dur="indefinite" restart="never" nodeType="tmRoot"/>
+      </p:par>
+    </p:tnLst>
+  </p:timing>
 </p:sld>
 </file>
 
@@ -7493,6 +7521,13 @@
   <p:clrMapOvr>
     <a:masterClrMapping/>
   </p:clrMapOvr>
+  <p:timing>
+    <p:tnLst>
+      <p:par>
+        <p:cTn id="1" dur="indefinite" restart="never" nodeType="tmRoot"/>
+      </p:par>
+    </p:tnLst>
+  </p:timing>
 </p:sld>
 </file>
 

--- a/Sprint3/Sprint 3 Client Presenation.pptx
+++ b/Sprint3/Sprint 3 Client Presenation.pptx
@@ -114,6 +114,11 @@
       </a:defRPr>
     </a:lvl9pPr>
   </p:defaultTextStyle>
+  <p:extLst>
+    <p:ext uri="{EFAFB233-063F-42B5-8137-9DF3F51BA10A}">
+      <p15:sldGuideLst xmlns:p15="http://schemas.microsoft.com/office/powerpoint/2012/main"/>
+    </p:ext>
+  </p:extLst>
 </p:presentation>
 </file>
 
@@ -199,7 +204,7 @@
           <a:p>
             <a:fld id="{FD46E6EF-67C7-0444-9538-20B203B10447}" type="datetimeFigureOut">
               <a:rPr lang="en-US" smtClean="0"/>
-              <a:t>12/4/17</a:t>
+              <a:t>12/6/17</a:t>
             </a:fld>
             <a:endParaRPr lang="en-US"/>
           </a:p>
@@ -1190,7 +1195,7 @@
             <a:fld id="{B61BEF0D-F0BB-DE4B-95CE-6DB70DBA9567}" type="datetimeFigureOut">
               <a:rPr lang="en-US" dirty="0"/>
               <a:pPr/>
-              <a:t>12/4/17</a:t>
+              <a:t>12/6/17</a:t>
             </a:fld>
             <a:endParaRPr lang="en-US" dirty="0"/>
           </a:p>
@@ -1438,7 +1443,7 @@
             <a:fld id="{B61BEF0D-F0BB-DE4B-95CE-6DB70DBA9567}" type="datetimeFigureOut">
               <a:rPr lang="en-US" dirty="0"/>
               <a:pPr/>
-              <a:t>12/4/17</a:t>
+              <a:t>12/6/17</a:t>
             </a:fld>
             <a:endParaRPr lang="en-US" dirty="0"/>
           </a:p>
@@ -1749,7 +1754,7 @@
             <a:fld id="{B61BEF0D-F0BB-DE4B-95CE-6DB70DBA9567}" type="datetimeFigureOut">
               <a:rPr lang="en-US" dirty="0"/>
               <a:pPr/>
-              <a:t>12/4/17</a:t>
+              <a:t>12/6/17</a:t>
             </a:fld>
             <a:endParaRPr lang="en-US" dirty="0"/>
           </a:p>
@@ -2087,7 +2092,7 @@
             <a:fld id="{B61BEF0D-F0BB-DE4B-95CE-6DB70DBA9567}" type="datetimeFigureOut">
               <a:rPr lang="en-US" dirty="0"/>
               <a:pPr/>
-              <a:t>12/4/17</a:t>
+              <a:t>12/6/17</a:t>
             </a:fld>
             <a:endParaRPr lang="en-US" dirty="0"/>
           </a:p>
@@ -2398,7 +2403,7 @@
             <a:fld id="{B61BEF0D-F0BB-DE4B-95CE-6DB70DBA9567}" type="datetimeFigureOut">
               <a:rPr lang="en-US" dirty="0"/>
               <a:pPr/>
-              <a:t>12/4/17</a:t>
+              <a:t>12/6/17</a:t>
             </a:fld>
             <a:endParaRPr lang="en-US" dirty="0"/>
           </a:p>
@@ -2788,7 +2793,7 @@
             <a:fld id="{B61BEF0D-F0BB-DE4B-95CE-6DB70DBA9567}" type="datetimeFigureOut">
               <a:rPr lang="en-US" dirty="0"/>
               <a:pPr/>
-              <a:t>12/4/17</a:t>
+              <a:t>12/6/17</a:t>
             </a:fld>
             <a:endParaRPr lang="en-US" dirty="0"/>
           </a:p>
@@ -2954,7 +2959,7 @@
           <a:p>
             <a:fld id="{55C6B4A9-1611-4792-9094-5F34BCA07E0B}" type="datetimeFigureOut">
               <a:rPr lang="en-US" dirty="0"/>
-              <a:t>12/4/17</a:t>
+              <a:t>12/6/17</a:t>
             </a:fld>
             <a:endParaRPr lang="en-US" dirty="0"/>
           </a:p>
@@ -3130,7 +3135,7 @@
             <a:fld id="{B61BEF0D-F0BB-DE4B-95CE-6DB70DBA9567}" type="datetimeFigureOut">
               <a:rPr lang="en-US" dirty="0"/>
               <a:pPr/>
-              <a:t>12/4/17</a:t>
+              <a:t>12/6/17</a:t>
             </a:fld>
             <a:endParaRPr lang="en-US" dirty="0"/>
           </a:p>
@@ -3303,7 +3308,7 @@
             <a:fld id="{B61BEF0D-F0BB-DE4B-95CE-6DB70DBA9567}" type="datetimeFigureOut">
               <a:rPr lang="en-US" dirty="0"/>
               <a:pPr/>
-              <a:t>12/4/17</a:t>
+              <a:t>12/6/17</a:t>
             </a:fld>
             <a:endParaRPr lang="en-US" dirty="0"/>
           </a:p>
@@ -3547,7 +3552,7 @@
             <a:fld id="{B61BEF0D-F0BB-DE4B-95CE-6DB70DBA9567}" type="datetimeFigureOut">
               <a:rPr lang="en-US" dirty="0"/>
               <a:pPr/>
-              <a:t>12/4/17</a:t>
+              <a:t>12/6/17</a:t>
             </a:fld>
             <a:endParaRPr lang="en-US" dirty="0"/>
           </a:p>
@@ -3775,7 +3780,7 @@
           <a:p>
             <a:fld id="{EB712588-04B1-427B-82EE-E8DB90309F08}" type="datetimeFigureOut">
               <a:rPr lang="en-US" dirty="0"/>
-              <a:t>12/4/17</a:t>
+              <a:t>12/6/17</a:t>
             </a:fld>
             <a:endParaRPr lang="en-US" dirty="0"/>
           </a:p>
@@ -4145,7 +4150,7 @@
             <a:fld id="{B61BEF0D-F0BB-DE4B-95CE-6DB70DBA9567}" type="datetimeFigureOut">
               <a:rPr lang="en-US" dirty="0"/>
               <a:pPr/>
-              <a:t>12/4/17</a:t>
+              <a:t>12/6/17</a:t>
             </a:fld>
             <a:endParaRPr lang="en-US" dirty="0"/>
           </a:p>
@@ -4265,7 +4270,7 @@
             <a:fld id="{B61BEF0D-F0BB-DE4B-95CE-6DB70DBA9567}" type="datetimeFigureOut">
               <a:rPr lang="en-US" dirty="0"/>
               <a:pPr/>
-              <a:t>12/4/17</a:t>
+              <a:t>12/6/17</a:t>
             </a:fld>
             <a:endParaRPr lang="en-US" dirty="0"/>
           </a:p>
@@ -4357,7 +4362,7 @@
             <a:fld id="{B61BEF0D-F0BB-DE4B-95CE-6DB70DBA9567}" type="datetimeFigureOut">
               <a:rPr lang="en-US" dirty="0"/>
               <a:pPr/>
-              <a:t>12/4/17</a:t>
+              <a:t>12/6/17</a:t>
             </a:fld>
             <a:endParaRPr lang="en-US" dirty="0"/>
           </a:p>
@@ -4608,7 +4613,7 @@
           <a:p>
             <a:fld id="{42A54C80-263E-416B-A8E0-580EDEADCBDC}" type="datetimeFigureOut">
               <a:rPr lang="en-US" dirty="0"/>
-              <a:t>12/4/17</a:t>
+              <a:t>12/6/17</a:t>
             </a:fld>
             <a:endParaRPr lang="en-US" dirty="0"/>
           </a:p>
@@ -4867,7 +4872,7 @@
             <a:fld id="{B61BEF0D-F0BB-DE4B-95CE-6DB70DBA9567}" type="datetimeFigureOut">
               <a:rPr lang="en-US" dirty="0"/>
               <a:pPr/>
-              <a:t>12/4/17</a:t>
+              <a:t>12/6/17</a:t>
             </a:fld>
             <a:endParaRPr lang="en-US" dirty="0"/>
           </a:p>
@@ -5607,7 +5612,7 @@
             <a:fld id="{B61BEF0D-F0BB-DE4B-95CE-6DB70DBA9567}" type="datetimeFigureOut">
               <a:rPr lang="en-US" dirty="0"/>
               <a:pPr/>
-              <a:t>12/4/17</a:t>
+              <a:t>12/6/17</a:t>
             </a:fld>
             <a:endParaRPr lang="en-US" dirty="0"/>
           </a:p>
@@ -7094,8 +7099,8 @@
         </p:blipFill>
         <p:spPr>
           <a:xfrm>
-            <a:off x="3697630" y="1493356"/>
-            <a:ext cx="2008225" cy="3755641"/>
+            <a:off x="3748085" y="1493356"/>
+            <a:ext cx="1907315" cy="3755641"/>
           </a:xfrm>
         </p:spPr>
       </p:pic>
@@ -7121,8 +7126,8 @@
         </p:blipFill>
         <p:spPr>
           <a:xfrm>
-            <a:off x="6414867" y="1493356"/>
-            <a:ext cx="1997117" cy="3755641"/>
+            <a:off x="6455861" y="1493356"/>
+            <a:ext cx="1915128" cy="3755641"/>
           </a:xfrm>
           <a:prstGeom prst="rect">
             <a:avLst/>
@@ -7151,8 +7156,8 @@
         </p:blipFill>
         <p:spPr>
           <a:xfrm>
-            <a:off x="1041569" y="1493356"/>
-            <a:ext cx="1947049" cy="3755641"/>
+            <a:off x="1041569" y="1500482"/>
+            <a:ext cx="1947049" cy="3741388"/>
           </a:xfrm>
           <a:prstGeom prst="rect">
             <a:avLst/>

--- a/Sprint3/Sprint 3 Client Presenation.pptx
+++ b/Sprint3/Sprint 3 Client Presenation.pptx
@@ -7341,8 +7341,8 @@
         </p:blipFill>
         <p:spPr>
           <a:xfrm>
-            <a:off x="777362" y="1400932"/>
-            <a:ext cx="7492887" cy="4821812"/>
+            <a:off x="473843" y="1260204"/>
+            <a:ext cx="8455845" cy="5441494"/>
           </a:xfrm>
         </p:spPr>
       </p:pic>
@@ -7493,25 +7493,6 @@
               <a:rPr lang="en-US" dirty="0" smtClean="0"/>
               <a:t>Questions and Plan for Sprint 4</a:t>
             </a:r>
-            <a:endParaRPr lang="en-US" dirty="0"/>
-          </a:p>
-        </p:txBody>
-      </p:sp>
-      <p:sp>
-        <p:nvSpPr>
-          <p:cNvPr id="3" name="Content Placeholder 2"/>
-          <p:cNvSpPr>
-            <a:spLocks noGrp="1"/>
-          </p:cNvSpPr>
-          <p:nvPr>
-            <p:ph idx="1"/>
-          </p:nvPr>
-        </p:nvSpPr>
-        <p:spPr/>
-        <p:txBody>
-          <a:bodyPr/>
-          <a:lstStyle/>
-          <a:p>
             <a:endParaRPr lang="en-US" dirty="0"/>
           </a:p>
         </p:txBody>

--- a/Sprint3/Sprint 3 Client Presenation.pptx
+++ b/Sprint3/Sprint 3 Client Presenation.pptx
@@ -6206,6 +6206,36 @@
           </a:p>
         </p:txBody>
       </p:sp>
+      <p:pic>
+        <p:nvPicPr>
+          <p:cNvPr id="4" name="Picture 3"/>
+          <p:cNvPicPr>
+            <a:picLocks noChangeAspect="1"/>
+          </p:cNvPicPr>
+          <p:nvPr/>
+        </p:nvPicPr>
+        <p:blipFill>
+          <a:blip r:embed="rId2">
+            <a:extLst>
+              <a:ext uri="{28A0092B-C50C-407E-A947-70E740481C1C}">
+                <a14:useLocalDpi xmlns:a14="http://schemas.microsoft.com/office/drawing/2010/main" val="0"/>
+              </a:ext>
+            </a:extLst>
+          </a:blip>
+          <a:stretch>
+            <a:fillRect/>
+          </a:stretch>
+        </p:blipFill>
+        <p:spPr>
+          <a:xfrm>
+            <a:off x="2243137" y="1551050"/>
+            <a:ext cx="1874837" cy="2499783"/>
+          </a:xfrm>
+          <a:prstGeom prst="rect">
+            <a:avLst/>
+          </a:prstGeom>
+        </p:spPr>
+      </p:pic>
     </p:spTree>
     <p:extLst>
       <p:ext uri="{BB962C8B-B14F-4D97-AF65-F5344CB8AC3E}">
@@ -6328,6 +6358,70 @@
               <a:t>Faster Performance</a:t>
             </a:r>
             <a:endParaRPr lang="en-US" dirty="0"/>
+          </a:p>
+        </p:txBody>
+      </p:sp>
+      <p:pic>
+        <p:nvPicPr>
+          <p:cNvPr id="4" name="Picture 3"/>
+          <p:cNvPicPr>
+            <a:picLocks noChangeAspect="1"/>
+          </p:cNvPicPr>
+          <p:nvPr/>
+        </p:nvPicPr>
+        <p:blipFill>
+          <a:blip r:embed="rId2">
+            <a:extLst>
+              <a:ext uri="{28A0092B-C50C-407E-A947-70E740481C1C}">
+                <a14:useLocalDpi xmlns:a14="http://schemas.microsoft.com/office/drawing/2010/main" val="0"/>
+              </a:ext>
+            </a:extLst>
+          </a:blip>
+          <a:stretch>
+            <a:fillRect/>
+          </a:stretch>
+        </p:blipFill>
+        <p:spPr>
+          <a:xfrm>
+            <a:off x="8572771" y="335025"/>
+            <a:ext cx="701231" cy="934975"/>
+          </a:xfrm>
+          <a:prstGeom prst="rect">
+            <a:avLst/>
+          </a:prstGeom>
+        </p:spPr>
+      </p:pic>
+      <p:sp>
+        <p:nvSpPr>
+          <p:cNvPr id="5" name="TextBox 4"/>
+          <p:cNvSpPr txBox="1"/>
+          <p:nvPr/>
+        </p:nvSpPr>
+        <p:spPr>
+          <a:xfrm>
+            <a:off x="677334" y="6400800"/>
+            <a:ext cx="2414587" cy="307777"/>
+          </a:xfrm>
+          <a:prstGeom prst="rect">
+            <a:avLst/>
+          </a:prstGeom>
+          <a:noFill/>
+        </p:spPr>
+        <p:txBody>
+          <a:bodyPr wrap="square" rtlCol="0">
+            <a:spAutoFit/>
+          </a:bodyPr>
+          <a:lstStyle/>
+          <a:p>
+            <a:r>
+              <a:rPr lang="en-US" sz="1400" smtClean="0"/>
+              <a:t>D.Eco</a:t>
+            </a:r>
+            <a:r>
+              <a:rPr lang="en-US" sz="1400" dirty="0" smtClean="0"/>
+              <a:t> - December 6, 2017</a:t>
+            </a:r>
+            <a:endParaRPr lang="en-US" sz="1400" dirty="0"/>
           </a:p>
         </p:txBody>
       </p:sp>
@@ -6773,6 +6867,70 @@
           </a:graphicData>
         </a:graphic>
       </p:graphicFrame>
+      <p:pic>
+        <p:nvPicPr>
+          <p:cNvPr id="4" name="Picture 3"/>
+          <p:cNvPicPr>
+            <a:picLocks noChangeAspect="1"/>
+          </p:cNvPicPr>
+          <p:nvPr/>
+        </p:nvPicPr>
+        <p:blipFill>
+          <a:blip r:embed="rId2">
+            <a:extLst>
+              <a:ext uri="{28A0092B-C50C-407E-A947-70E740481C1C}">
+                <a14:useLocalDpi xmlns:a14="http://schemas.microsoft.com/office/drawing/2010/main" val="0"/>
+              </a:ext>
+            </a:extLst>
+          </a:blip>
+          <a:stretch>
+            <a:fillRect/>
+          </a:stretch>
+        </p:blipFill>
+        <p:spPr>
+          <a:xfrm>
+            <a:off x="8572771" y="335025"/>
+            <a:ext cx="701231" cy="934975"/>
+          </a:xfrm>
+          <a:prstGeom prst="rect">
+            <a:avLst/>
+          </a:prstGeom>
+        </p:spPr>
+      </p:pic>
+      <p:sp>
+        <p:nvSpPr>
+          <p:cNvPr id="7" name="TextBox 6"/>
+          <p:cNvSpPr txBox="1"/>
+          <p:nvPr/>
+        </p:nvSpPr>
+        <p:spPr>
+          <a:xfrm>
+            <a:off x="677334" y="6400800"/>
+            <a:ext cx="2414587" cy="307777"/>
+          </a:xfrm>
+          <a:prstGeom prst="rect">
+            <a:avLst/>
+          </a:prstGeom>
+          <a:noFill/>
+        </p:spPr>
+        <p:txBody>
+          <a:bodyPr wrap="square" rtlCol="0">
+            <a:spAutoFit/>
+          </a:bodyPr>
+          <a:lstStyle/>
+          <a:p>
+            <a:r>
+              <a:rPr lang="en-US" sz="1400" smtClean="0"/>
+              <a:t>D.Eco</a:t>
+            </a:r>
+            <a:r>
+              <a:rPr lang="en-US" sz="1400" dirty="0" smtClean="0"/>
+              <a:t> - December 6, 2017</a:t>
+            </a:r>
+            <a:endParaRPr lang="en-US" sz="1400" dirty="0"/>
+          </a:p>
+        </p:txBody>
+      </p:sp>
     </p:spTree>
     <p:extLst>
       <p:ext uri="{BB962C8B-B14F-4D97-AF65-F5344CB8AC3E}">
@@ -7015,6 +7173,70 @@
           </a:p>
         </p:txBody>
       </p:sp>
+      <p:pic>
+        <p:nvPicPr>
+          <p:cNvPr id="13" name="Picture 12"/>
+          <p:cNvPicPr>
+            <a:picLocks noChangeAspect="1"/>
+          </p:cNvPicPr>
+          <p:nvPr/>
+        </p:nvPicPr>
+        <p:blipFill>
+          <a:blip r:embed="rId5">
+            <a:extLst>
+              <a:ext uri="{28A0092B-C50C-407E-A947-70E740481C1C}">
+                <a14:useLocalDpi xmlns:a14="http://schemas.microsoft.com/office/drawing/2010/main" val="0"/>
+              </a:ext>
+            </a:extLst>
+          </a:blip>
+          <a:stretch>
+            <a:fillRect/>
+          </a:stretch>
+        </p:blipFill>
+        <p:spPr>
+          <a:xfrm>
+            <a:off x="8572771" y="335025"/>
+            <a:ext cx="701231" cy="934975"/>
+          </a:xfrm>
+          <a:prstGeom prst="rect">
+            <a:avLst/>
+          </a:prstGeom>
+        </p:spPr>
+      </p:pic>
+      <p:sp>
+        <p:nvSpPr>
+          <p:cNvPr id="15" name="TextBox 14"/>
+          <p:cNvSpPr txBox="1"/>
+          <p:nvPr/>
+        </p:nvSpPr>
+        <p:spPr>
+          <a:xfrm>
+            <a:off x="677334" y="6400800"/>
+            <a:ext cx="2414587" cy="307777"/>
+          </a:xfrm>
+          <a:prstGeom prst="rect">
+            <a:avLst/>
+          </a:prstGeom>
+          <a:noFill/>
+        </p:spPr>
+        <p:txBody>
+          <a:bodyPr wrap="square" rtlCol="0">
+            <a:spAutoFit/>
+          </a:bodyPr>
+          <a:lstStyle/>
+          <a:p>
+            <a:r>
+              <a:rPr lang="en-US" sz="1400" smtClean="0"/>
+              <a:t>D.Eco</a:t>
+            </a:r>
+            <a:r>
+              <a:rPr lang="en-US" sz="1400" dirty="0" smtClean="0"/>
+              <a:t> - December 6, 2017</a:t>
+            </a:r>
+            <a:endParaRPr lang="en-US" sz="1400" dirty="0"/>
+          </a:p>
+        </p:txBody>
+      </p:sp>
     </p:spTree>
     <p:extLst>
       <p:ext uri="{BB962C8B-B14F-4D97-AF65-F5344CB8AC3E}">
@@ -7257,6 +7479,70 @@
           </a:p>
         </p:txBody>
       </p:sp>
+      <p:pic>
+        <p:nvPicPr>
+          <p:cNvPr id="13" name="Picture 12"/>
+          <p:cNvPicPr>
+            <a:picLocks noChangeAspect="1"/>
+          </p:cNvPicPr>
+          <p:nvPr/>
+        </p:nvPicPr>
+        <p:blipFill>
+          <a:blip r:embed="rId5">
+            <a:extLst>
+              <a:ext uri="{28A0092B-C50C-407E-A947-70E740481C1C}">
+                <a14:useLocalDpi xmlns:a14="http://schemas.microsoft.com/office/drawing/2010/main" val="0"/>
+              </a:ext>
+            </a:extLst>
+          </a:blip>
+          <a:stretch>
+            <a:fillRect/>
+          </a:stretch>
+        </p:blipFill>
+        <p:spPr>
+          <a:xfrm>
+            <a:off x="8572771" y="335025"/>
+            <a:ext cx="701231" cy="934975"/>
+          </a:xfrm>
+          <a:prstGeom prst="rect">
+            <a:avLst/>
+          </a:prstGeom>
+        </p:spPr>
+      </p:pic>
+      <p:sp>
+        <p:nvSpPr>
+          <p:cNvPr id="15" name="TextBox 14"/>
+          <p:cNvSpPr txBox="1"/>
+          <p:nvPr/>
+        </p:nvSpPr>
+        <p:spPr>
+          <a:xfrm>
+            <a:off x="677334" y="6400800"/>
+            <a:ext cx="2414587" cy="307777"/>
+          </a:xfrm>
+          <a:prstGeom prst="rect">
+            <a:avLst/>
+          </a:prstGeom>
+          <a:noFill/>
+        </p:spPr>
+        <p:txBody>
+          <a:bodyPr wrap="square" rtlCol="0">
+            <a:spAutoFit/>
+          </a:bodyPr>
+          <a:lstStyle/>
+          <a:p>
+            <a:r>
+              <a:rPr lang="en-US" sz="1400" smtClean="0"/>
+              <a:t>D.Eco</a:t>
+            </a:r>
+            <a:r>
+              <a:rPr lang="en-US" sz="1400" dirty="0" smtClean="0"/>
+              <a:t> - December 6, 2017</a:t>
+            </a:r>
+            <a:endParaRPr lang="en-US" sz="1400" dirty="0"/>
+          </a:p>
+        </p:txBody>
+      </p:sp>
     </p:spTree>
     <p:extLst>
       <p:ext uri="{BB962C8B-B14F-4D97-AF65-F5344CB8AC3E}">
@@ -7341,11 +7627,75 @@
         </p:blipFill>
         <p:spPr>
           <a:xfrm>
-            <a:off x="473843" y="1260204"/>
+            <a:off x="473843" y="1160188"/>
             <a:ext cx="8455845" cy="5441494"/>
           </a:xfrm>
         </p:spPr>
       </p:pic>
+      <p:pic>
+        <p:nvPicPr>
+          <p:cNvPr id="5" name="Picture 4"/>
+          <p:cNvPicPr>
+            <a:picLocks noChangeAspect="1"/>
+          </p:cNvPicPr>
+          <p:nvPr/>
+        </p:nvPicPr>
+        <p:blipFill>
+          <a:blip r:embed="rId3">
+            <a:extLst>
+              <a:ext uri="{28A0092B-C50C-407E-A947-70E740481C1C}">
+                <a14:useLocalDpi xmlns:a14="http://schemas.microsoft.com/office/drawing/2010/main" val="0"/>
+              </a:ext>
+            </a:extLst>
+          </a:blip>
+          <a:stretch>
+            <a:fillRect/>
+          </a:stretch>
+        </p:blipFill>
+        <p:spPr>
+          <a:xfrm>
+            <a:off x="8572771" y="335025"/>
+            <a:ext cx="701231" cy="934975"/>
+          </a:xfrm>
+          <a:prstGeom prst="rect">
+            <a:avLst/>
+          </a:prstGeom>
+        </p:spPr>
+      </p:pic>
+      <p:sp>
+        <p:nvSpPr>
+          <p:cNvPr id="7" name="TextBox 6"/>
+          <p:cNvSpPr txBox="1"/>
+          <p:nvPr/>
+        </p:nvSpPr>
+        <p:spPr>
+          <a:xfrm>
+            <a:off x="677334" y="6400800"/>
+            <a:ext cx="2414587" cy="307777"/>
+          </a:xfrm>
+          <a:prstGeom prst="rect">
+            <a:avLst/>
+          </a:prstGeom>
+          <a:noFill/>
+        </p:spPr>
+        <p:txBody>
+          <a:bodyPr wrap="square" rtlCol="0">
+            <a:spAutoFit/>
+          </a:bodyPr>
+          <a:lstStyle/>
+          <a:p>
+            <a:r>
+              <a:rPr lang="en-US" sz="1400" smtClean="0"/>
+              <a:t>D.Eco</a:t>
+            </a:r>
+            <a:r>
+              <a:rPr lang="en-US" sz="1400" dirty="0" smtClean="0"/>
+              <a:t> - December 6, 2017</a:t>
+            </a:r>
+            <a:endParaRPr lang="en-US" sz="1400" dirty="0"/>
+          </a:p>
+        </p:txBody>
+      </p:sp>
     </p:spTree>
     <p:extLst>
       <p:ext uri="{BB962C8B-B14F-4D97-AF65-F5344CB8AC3E}">
@@ -7437,6 +7787,70 @@
           </a:xfrm>
         </p:spPr>
       </p:pic>
+      <p:pic>
+        <p:nvPicPr>
+          <p:cNvPr id="5" name="Picture 4"/>
+          <p:cNvPicPr>
+            <a:picLocks noChangeAspect="1"/>
+          </p:cNvPicPr>
+          <p:nvPr/>
+        </p:nvPicPr>
+        <p:blipFill>
+          <a:blip r:embed="rId4">
+            <a:extLst>
+              <a:ext uri="{28A0092B-C50C-407E-A947-70E740481C1C}">
+                <a14:useLocalDpi xmlns:a14="http://schemas.microsoft.com/office/drawing/2010/main" val="0"/>
+              </a:ext>
+            </a:extLst>
+          </a:blip>
+          <a:stretch>
+            <a:fillRect/>
+          </a:stretch>
+        </p:blipFill>
+        <p:spPr>
+          <a:xfrm>
+            <a:off x="8572771" y="335025"/>
+            <a:ext cx="701231" cy="934975"/>
+          </a:xfrm>
+          <a:prstGeom prst="rect">
+            <a:avLst/>
+          </a:prstGeom>
+        </p:spPr>
+      </p:pic>
+      <p:sp>
+        <p:nvSpPr>
+          <p:cNvPr id="7" name="TextBox 6"/>
+          <p:cNvSpPr txBox="1"/>
+          <p:nvPr/>
+        </p:nvSpPr>
+        <p:spPr>
+          <a:xfrm>
+            <a:off x="677334" y="6400800"/>
+            <a:ext cx="2414587" cy="307777"/>
+          </a:xfrm>
+          <a:prstGeom prst="rect">
+            <a:avLst/>
+          </a:prstGeom>
+          <a:noFill/>
+        </p:spPr>
+        <p:txBody>
+          <a:bodyPr wrap="square" rtlCol="0">
+            <a:spAutoFit/>
+          </a:bodyPr>
+          <a:lstStyle/>
+          <a:p>
+            <a:r>
+              <a:rPr lang="en-US" sz="1400" smtClean="0"/>
+              <a:t>D.Eco</a:t>
+            </a:r>
+            <a:r>
+              <a:rPr lang="en-US" sz="1400" dirty="0" smtClean="0"/>
+              <a:t> - December 6, 2017</a:t>
+            </a:r>
+            <a:endParaRPr lang="en-US" sz="1400" dirty="0"/>
+          </a:p>
+        </p:txBody>
+      </p:sp>
     </p:spTree>
     <p:extLst>
       <p:ext uri="{BB962C8B-B14F-4D97-AF65-F5344CB8AC3E}">
@@ -7494,6 +7908,70 @@
               <a:t>Questions and Plan for Sprint 4</a:t>
             </a:r>
             <a:endParaRPr lang="en-US" dirty="0"/>
+          </a:p>
+        </p:txBody>
+      </p:sp>
+      <p:pic>
+        <p:nvPicPr>
+          <p:cNvPr id="3" name="Picture 2"/>
+          <p:cNvPicPr>
+            <a:picLocks noChangeAspect="1"/>
+          </p:cNvPicPr>
+          <p:nvPr/>
+        </p:nvPicPr>
+        <p:blipFill>
+          <a:blip r:embed="rId2">
+            <a:extLst>
+              <a:ext uri="{28A0092B-C50C-407E-A947-70E740481C1C}">
+                <a14:useLocalDpi xmlns:a14="http://schemas.microsoft.com/office/drawing/2010/main" val="0"/>
+              </a:ext>
+            </a:extLst>
+          </a:blip>
+          <a:stretch>
+            <a:fillRect/>
+          </a:stretch>
+        </p:blipFill>
+        <p:spPr>
+          <a:xfrm>
+            <a:off x="8572771" y="335025"/>
+            <a:ext cx="701231" cy="934975"/>
+          </a:xfrm>
+          <a:prstGeom prst="rect">
+            <a:avLst/>
+          </a:prstGeom>
+        </p:spPr>
+      </p:pic>
+      <p:sp>
+        <p:nvSpPr>
+          <p:cNvPr id="5" name="TextBox 4"/>
+          <p:cNvSpPr txBox="1"/>
+          <p:nvPr/>
+        </p:nvSpPr>
+        <p:spPr>
+          <a:xfrm>
+            <a:off x="677334" y="6400800"/>
+            <a:ext cx="2414587" cy="307777"/>
+          </a:xfrm>
+          <a:prstGeom prst="rect">
+            <a:avLst/>
+          </a:prstGeom>
+          <a:noFill/>
+        </p:spPr>
+        <p:txBody>
+          <a:bodyPr wrap="square" rtlCol="0">
+            <a:spAutoFit/>
+          </a:bodyPr>
+          <a:lstStyle/>
+          <a:p>
+            <a:r>
+              <a:rPr lang="en-US" sz="1400" smtClean="0"/>
+              <a:t>D.Eco</a:t>
+            </a:r>
+            <a:r>
+              <a:rPr lang="en-US" sz="1400" dirty="0" smtClean="0"/>
+              <a:t> - December 6, 2017</a:t>
+            </a:r>
+            <a:endParaRPr lang="en-US" sz="1400" dirty="0"/>
           </a:p>
         </p:txBody>
       </p:sp>

--- a/Sprint3/Sprint 3 Client Presenation.pptx
+++ b/Sprint3/Sprint 3 Client Presenation.pptx
@@ -204,7 +204,7 @@
           <a:p>
             <a:fld id="{FD46E6EF-67C7-0444-9538-20B203B10447}" type="datetimeFigureOut">
               <a:rPr lang="en-US" smtClean="0"/>
-              <a:t>12/6/17</a:t>
+              <a:t>1/18/18</a:t>
             </a:fld>
             <a:endParaRPr lang="en-US"/>
           </a:p>
@@ -1195,7 +1195,7 @@
             <a:fld id="{B61BEF0D-F0BB-DE4B-95CE-6DB70DBA9567}" type="datetimeFigureOut">
               <a:rPr lang="en-US" dirty="0"/>
               <a:pPr/>
-              <a:t>12/6/17</a:t>
+              <a:t>1/18/18</a:t>
             </a:fld>
             <a:endParaRPr lang="en-US" dirty="0"/>
           </a:p>
@@ -1443,7 +1443,7 @@
             <a:fld id="{B61BEF0D-F0BB-DE4B-95CE-6DB70DBA9567}" type="datetimeFigureOut">
               <a:rPr lang="en-US" dirty="0"/>
               <a:pPr/>
-              <a:t>12/6/17</a:t>
+              <a:t>1/18/18</a:t>
             </a:fld>
             <a:endParaRPr lang="en-US" dirty="0"/>
           </a:p>
@@ -1754,7 +1754,7 @@
             <a:fld id="{B61BEF0D-F0BB-DE4B-95CE-6DB70DBA9567}" type="datetimeFigureOut">
               <a:rPr lang="en-US" dirty="0"/>
               <a:pPr/>
-              <a:t>12/6/17</a:t>
+              <a:t>1/18/18</a:t>
             </a:fld>
             <a:endParaRPr lang="en-US" dirty="0"/>
           </a:p>
@@ -2092,7 +2092,7 @@
             <a:fld id="{B61BEF0D-F0BB-DE4B-95CE-6DB70DBA9567}" type="datetimeFigureOut">
               <a:rPr lang="en-US" dirty="0"/>
               <a:pPr/>
-              <a:t>12/6/17</a:t>
+              <a:t>1/18/18</a:t>
             </a:fld>
             <a:endParaRPr lang="en-US" dirty="0"/>
           </a:p>
@@ -2403,7 +2403,7 @@
             <a:fld id="{B61BEF0D-F0BB-DE4B-95CE-6DB70DBA9567}" type="datetimeFigureOut">
               <a:rPr lang="en-US" dirty="0"/>
               <a:pPr/>
-              <a:t>12/6/17</a:t>
+              <a:t>1/18/18</a:t>
             </a:fld>
             <a:endParaRPr lang="en-US" dirty="0"/>
           </a:p>
@@ -2793,7 +2793,7 @@
             <a:fld id="{B61BEF0D-F0BB-DE4B-95CE-6DB70DBA9567}" type="datetimeFigureOut">
               <a:rPr lang="en-US" dirty="0"/>
               <a:pPr/>
-              <a:t>12/6/17</a:t>
+              <a:t>1/18/18</a:t>
             </a:fld>
             <a:endParaRPr lang="en-US" dirty="0"/>
           </a:p>
@@ -2959,7 +2959,7 @@
           <a:p>
             <a:fld id="{55C6B4A9-1611-4792-9094-5F34BCA07E0B}" type="datetimeFigureOut">
               <a:rPr lang="en-US" dirty="0"/>
-              <a:t>12/6/17</a:t>
+              <a:t>1/18/18</a:t>
             </a:fld>
             <a:endParaRPr lang="en-US" dirty="0"/>
           </a:p>
@@ -3135,7 +3135,7 @@
             <a:fld id="{B61BEF0D-F0BB-DE4B-95CE-6DB70DBA9567}" type="datetimeFigureOut">
               <a:rPr lang="en-US" dirty="0"/>
               <a:pPr/>
-              <a:t>12/6/17</a:t>
+              <a:t>1/18/18</a:t>
             </a:fld>
             <a:endParaRPr lang="en-US" dirty="0"/>
           </a:p>
@@ -3308,7 +3308,7 @@
             <a:fld id="{B61BEF0D-F0BB-DE4B-95CE-6DB70DBA9567}" type="datetimeFigureOut">
               <a:rPr lang="en-US" dirty="0"/>
               <a:pPr/>
-              <a:t>12/6/17</a:t>
+              <a:t>1/18/18</a:t>
             </a:fld>
             <a:endParaRPr lang="en-US" dirty="0"/>
           </a:p>
@@ -3552,7 +3552,7 @@
             <a:fld id="{B61BEF0D-F0BB-DE4B-95CE-6DB70DBA9567}" type="datetimeFigureOut">
               <a:rPr lang="en-US" dirty="0"/>
               <a:pPr/>
-              <a:t>12/6/17</a:t>
+              <a:t>1/18/18</a:t>
             </a:fld>
             <a:endParaRPr lang="en-US" dirty="0"/>
           </a:p>
@@ -3780,7 +3780,7 @@
           <a:p>
             <a:fld id="{EB712588-04B1-427B-82EE-E8DB90309F08}" type="datetimeFigureOut">
               <a:rPr lang="en-US" dirty="0"/>
-              <a:t>12/6/17</a:t>
+              <a:t>1/18/18</a:t>
             </a:fld>
             <a:endParaRPr lang="en-US" dirty="0"/>
           </a:p>
@@ -4150,7 +4150,7 @@
             <a:fld id="{B61BEF0D-F0BB-DE4B-95CE-6DB70DBA9567}" type="datetimeFigureOut">
               <a:rPr lang="en-US" dirty="0"/>
               <a:pPr/>
-              <a:t>12/6/17</a:t>
+              <a:t>1/18/18</a:t>
             </a:fld>
             <a:endParaRPr lang="en-US" dirty="0"/>
           </a:p>
@@ -4270,7 +4270,7 @@
             <a:fld id="{B61BEF0D-F0BB-DE4B-95CE-6DB70DBA9567}" type="datetimeFigureOut">
               <a:rPr lang="en-US" dirty="0"/>
               <a:pPr/>
-              <a:t>12/6/17</a:t>
+              <a:t>1/18/18</a:t>
             </a:fld>
             <a:endParaRPr lang="en-US" dirty="0"/>
           </a:p>
@@ -4362,7 +4362,7 @@
             <a:fld id="{B61BEF0D-F0BB-DE4B-95CE-6DB70DBA9567}" type="datetimeFigureOut">
               <a:rPr lang="en-US" dirty="0"/>
               <a:pPr/>
-              <a:t>12/6/17</a:t>
+              <a:t>1/18/18</a:t>
             </a:fld>
             <a:endParaRPr lang="en-US" dirty="0"/>
           </a:p>
@@ -4613,7 +4613,7 @@
           <a:p>
             <a:fld id="{42A54C80-263E-416B-A8E0-580EDEADCBDC}" type="datetimeFigureOut">
               <a:rPr lang="en-US" dirty="0"/>
-              <a:t>12/6/17</a:t>
+              <a:t>1/18/18</a:t>
             </a:fld>
             <a:endParaRPr lang="en-US" dirty="0"/>
           </a:p>
@@ -4872,7 +4872,7 @@
             <a:fld id="{B61BEF0D-F0BB-DE4B-95CE-6DB70DBA9567}" type="datetimeFigureOut">
               <a:rPr lang="en-US" dirty="0"/>
               <a:pPr/>
-              <a:t>12/6/17</a:t>
+              <a:t>1/18/18</a:t>
             </a:fld>
             <a:endParaRPr lang="en-US" dirty="0"/>
           </a:p>
@@ -5612,7 +5612,7 @@
             <a:fld id="{B61BEF0D-F0BB-DE4B-95CE-6DB70DBA9567}" type="datetimeFigureOut">
               <a:rPr lang="en-US" dirty="0"/>
               <a:pPr/>
-              <a:t>12/6/17</a:t>
+              <a:t>1/18/18</a:t>
             </a:fld>
             <a:endParaRPr lang="en-US" dirty="0"/>
           </a:p>
@@ -6192,15 +6192,11 @@
             </a:r>
             <a:r>
               <a:rPr lang="en-US" dirty="0" smtClean="0"/>
-              <a:t>, Cory Harris, Morgan Brown, Kylie Pfaff, </a:t>
-            </a:r>
-            <a:r>
-              <a:rPr lang="en-US" dirty="0" err="1" smtClean="0"/>
-              <a:t>Cyler</a:t>
+              <a:t>, Cory Harris, Morgan Brown, Kylie </a:t>
             </a:r>
             <a:r>
               <a:rPr lang="en-US" dirty="0" smtClean="0"/>
-              <a:t> Gannon</a:t>
+              <a:t>Pfaff</a:t>
             </a:r>
             <a:endParaRPr lang="en-US" dirty="0"/>
           </a:p>
@@ -6414,12 +6410,24 @@
           <a:lstStyle/>
           <a:p>
             <a:r>
-              <a:rPr lang="en-US" sz="1400" smtClean="0"/>
+              <a:rPr lang="en-US" sz="1400" dirty="0" err="1" smtClean="0"/>
               <a:t>D.Eco</a:t>
             </a:r>
             <a:r>
               <a:rPr lang="en-US" sz="1400" dirty="0" smtClean="0"/>
-              <a:t> - December 6, 2017</a:t>
+              <a:t> </a:t>
+            </a:r>
+            <a:r>
+              <a:rPr lang="mr-IN" sz="1400" dirty="0" smtClean="0"/>
+              <a:t>–</a:t>
+            </a:r>
+            <a:r>
+              <a:rPr lang="en-US" sz="1400" dirty="0" smtClean="0"/>
+              <a:t> </a:t>
+            </a:r>
+            <a:r>
+              <a:rPr lang="en-US" sz="1400" dirty="0" smtClean="0"/>
+              <a:t>January 19, 2018</a:t>
             </a:r>
             <a:endParaRPr lang="en-US" sz="1400" dirty="0"/>
           </a:p>
@@ -6899,7 +6907,7 @@
       </p:pic>
       <p:sp>
         <p:nvSpPr>
-          <p:cNvPr id="7" name="TextBox 6"/>
+          <p:cNvPr id="8" name="TextBox 7"/>
           <p:cNvSpPr txBox="1"/>
           <p:nvPr/>
         </p:nvSpPr>
@@ -6920,12 +6928,24 @@
           <a:lstStyle/>
           <a:p>
             <a:r>
-              <a:rPr lang="en-US" sz="1400" smtClean="0"/>
+              <a:rPr lang="en-US" sz="1400" dirty="0" err="1" smtClean="0"/>
               <a:t>D.Eco</a:t>
             </a:r>
             <a:r>
               <a:rPr lang="en-US" sz="1400" dirty="0" smtClean="0"/>
-              <a:t> - December 6, 2017</a:t>
+              <a:t> </a:t>
+            </a:r>
+            <a:r>
+              <a:rPr lang="mr-IN" sz="1400" dirty="0" smtClean="0"/>
+              <a:t>–</a:t>
+            </a:r>
+            <a:r>
+              <a:rPr lang="en-US" sz="1400" dirty="0" smtClean="0"/>
+              <a:t> </a:t>
+            </a:r>
+            <a:r>
+              <a:rPr lang="en-US" sz="1400" dirty="0" smtClean="0"/>
+              <a:t>January 19, 2018</a:t>
             </a:r>
             <a:endParaRPr lang="en-US" sz="1400" dirty="0"/>
           </a:p>
@@ -7205,7 +7225,7 @@
       </p:pic>
       <p:sp>
         <p:nvSpPr>
-          <p:cNvPr id="15" name="TextBox 14"/>
+          <p:cNvPr id="14" name="TextBox 13"/>
           <p:cNvSpPr txBox="1"/>
           <p:nvPr/>
         </p:nvSpPr>
@@ -7226,12 +7246,24 @@
           <a:lstStyle/>
           <a:p>
             <a:r>
-              <a:rPr lang="en-US" sz="1400" smtClean="0"/>
+              <a:rPr lang="en-US" sz="1400" dirty="0" err="1" smtClean="0"/>
               <a:t>D.Eco</a:t>
             </a:r>
             <a:r>
               <a:rPr lang="en-US" sz="1400" dirty="0" smtClean="0"/>
-              <a:t> - December 6, 2017</a:t>
+              <a:t> </a:t>
+            </a:r>
+            <a:r>
+              <a:rPr lang="mr-IN" sz="1400" dirty="0" smtClean="0"/>
+              <a:t>–</a:t>
+            </a:r>
+            <a:r>
+              <a:rPr lang="en-US" sz="1400" dirty="0" smtClean="0"/>
+              <a:t> </a:t>
+            </a:r>
+            <a:r>
+              <a:rPr lang="en-US" sz="1400" dirty="0" smtClean="0"/>
+              <a:t>January 19, 2018</a:t>
             </a:r>
             <a:endParaRPr lang="en-US" sz="1400" dirty="0"/>
           </a:p>
@@ -7511,7 +7543,7 @@
       </p:pic>
       <p:sp>
         <p:nvSpPr>
-          <p:cNvPr id="15" name="TextBox 14"/>
+          <p:cNvPr id="14" name="TextBox 13"/>
           <p:cNvSpPr txBox="1"/>
           <p:nvPr/>
         </p:nvSpPr>
@@ -7532,12 +7564,24 @@
           <a:lstStyle/>
           <a:p>
             <a:r>
-              <a:rPr lang="en-US" sz="1400" smtClean="0"/>
+              <a:rPr lang="en-US" sz="1400" dirty="0" err="1" smtClean="0"/>
               <a:t>D.Eco</a:t>
             </a:r>
             <a:r>
               <a:rPr lang="en-US" sz="1400" dirty="0" smtClean="0"/>
-              <a:t> - December 6, 2017</a:t>
+              <a:t> </a:t>
+            </a:r>
+            <a:r>
+              <a:rPr lang="mr-IN" sz="1400" dirty="0" smtClean="0"/>
+              <a:t>–</a:t>
+            </a:r>
+            <a:r>
+              <a:rPr lang="en-US" sz="1400" dirty="0" smtClean="0"/>
+              <a:t> </a:t>
+            </a:r>
+            <a:r>
+              <a:rPr lang="en-US" sz="1400" dirty="0" smtClean="0"/>
+              <a:t>January 19, 2018</a:t>
             </a:r>
             <a:endParaRPr lang="en-US" sz="1400" dirty="0"/>
           </a:p>
@@ -7664,7 +7708,7 @@
       </p:pic>
       <p:sp>
         <p:nvSpPr>
-          <p:cNvPr id="7" name="TextBox 6"/>
+          <p:cNvPr id="6" name="TextBox 5"/>
           <p:cNvSpPr txBox="1"/>
           <p:nvPr/>
         </p:nvSpPr>
@@ -7685,12 +7729,24 @@
           <a:lstStyle/>
           <a:p>
             <a:r>
-              <a:rPr lang="en-US" sz="1400" smtClean="0"/>
+              <a:rPr lang="en-US" sz="1400" dirty="0" err="1" smtClean="0"/>
               <a:t>D.Eco</a:t>
             </a:r>
             <a:r>
               <a:rPr lang="en-US" sz="1400" dirty="0" smtClean="0"/>
-              <a:t> - December 6, 2017</a:t>
+              <a:t> </a:t>
+            </a:r>
+            <a:r>
+              <a:rPr lang="mr-IN" sz="1400" dirty="0" smtClean="0"/>
+              <a:t>–</a:t>
+            </a:r>
+            <a:r>
+              <a:rPr lang="en-US" sz="1400" dirty="0" smtClean="0"/>
+              <a:t> </a:t>
+            </a:r>
+            <a:r>
+              <a:rPr lang="en-US" sz="1400" dirty="0" smtClean="0"/>
+              <a:t>January 19, 2018</a:t>
             </a:r>
             <a:endParaRPr lang="en-US" sz="1400" dirty="0"/>
           </a:p>
@@ -7819,7 +7875,7 @@
       </p:pic>
       <p:sp>
         <p:nvSpPr>
-          <p:cNvPr id="7" name="TextBox 6"/>
+          <p:cNvPr id="6" name="TextBox 5"/>
           <p:cNvSpPr txBox="1"/>
           <p:nvPr/>
         </p:nvSpPr>
@@ -7840,12 +7896,24 @@
           <a:lstStyle/>
           <a:p>
             <a:r>
-              <a:rPr lang="en-US" sz="1400" smtClean="0"/>
+              <a:rPr lang="en-US" sz="1400" dirty="0" err="1" smtClean="0"/>
               <a:t>D.Eco</a:t>
             </a:r>
             <a:r>
               <a:rPr lang="en-US" sz="1400" dirty="0" smtClean="0"/>
-              <a:t> - December 6, 2017</a:t>
+              <a:t> </a:t>
+            </a:r>
+            <a:r>
+              <a:rPr lang="mr-IN" sz="1400" dirty="0" smtClean="0"/>
+              <a:t>–</a:t>
+            </a:r>
+            <a:r>
+              <a:rPr lang="en-US" sz="1400" dirty="0" smtClean="0"/>
+              <a:t> </a:t>
+            </a:r>
+            <a:r>
+              <a:rPr lang="en-US" sz="1400" dirty="0" smtClean="0"/>
+              <a:t>January 19, 2018</a:t>
             </a:r>
             <a:endParaRPr lang="en-US" sz="1400" dirty="0"/>
           </a:p>
@@ -7905,7 +7973,11 @@
           <a:p>
             <a:r>
               <a:rPr lang="en-US" dirty="0" smtClean="0"/>
-              <a:t>Questions and Plan for Sprint 4</a:t>
+              <a:t>Plan </a:t>
+            </a:r>
+            <a:r>
+              <a:rPr lang="en-US" dirty="0" smtClean="0"/>
+              <a:t>for Sprint 4</a:t>
             </a:r>
             <a:endParaRPr lang="en-US" dirty="0"/>
           </a:p>
@@ -7943,7 +8015,7 @@
       </p:pic>
       <p:sp>
         <p:nvSpPr>
-          <p:cNvPr id="5" name="TextBox 4"/>
+          <p:cNvPr id="6" name="TextBox 5"/>
           <p:cNvSpPr txBox="1"/>
           <p:nvPr/>
         </p:nvSpPr>
@@ -7964,12 +8036,24 @@
           <a:lstStyle/>
           <a:p>
             <a:r>
-              <a:rPr lang="en-US" sz="1400" smtClean="0"/>
+              <a:rPr lang="en-US" sz="1400" dirty="0" err="1" smtClean="0"/>
               <a:t>D.Eco</a:t>
             </a:r>
             <a:r>
               <a:rPr lang="en-US" sz="1400" dirty="0" smtClean="0"/>
-              <a:t> - December 6, 2017</a:t>
+              <a:t> </a:t>
+            </a:r>
+            <a:r>
+              <a:rPr lang="mr-IN" sz="1400" dirty="0" smtClean="0"/>
+              <a:t>–</a:t>
+            </a:r>
+            <a:r>
+              <a:rPr lang="en-US" sz="1400" dirty="0" smtClean="0"/>
+              <a:t> </a:t>
+            </a:r>
+            <a:r>
+              <a:rPr lang="en-US" sz="1400" dirty="0" smtClean="0"/>
+              <a:t>January 19, 2018</a:t>
             </a:r>
             <a:endParaRPr lang="en-US" sz="1400" dirty="0"/>
           </a:p>

--- a/Sprint3/Sprint 3 Client Presenation.pptx
+++ b/Sprint3/Sprint 3 Client Presenation.pptx
@@ -6192,11 +6192,7 @@
             </a:r>
             <a:r>
               <a:rPr lang="en-US" dirty="0" smtClean="0"/>
-              <a:t>, Cory Harris, Morgan Brown, Kylie </a:t>
-            </a:r>
-            <a:r>
-              <a:rPr lang="en-US" dirty="0" smtClean="0"/>
-              <a:t>Pfaff</a:t>
+              <a:t>, Cory Harris, Morgan Brown, Kylie Pfaff</a:t>
             </a:r>
             <a:endParaRPr lang="en-US" dirty="0"/>
           </a:p>
@@ -6423,11 +6419,7 @@
             </a:r>
             <a:r>
               <a:rPr lang="en-US" sz="1400" dirty="0" smtClean="0"/>
-              <a:t> </a:t>
-            </a:r>
-            <a:r>
-              <a:rPr lang="en-US" sz="1400" dirty="0" smtClean="0"/>
-              <a:t>January 19, 2018</a:t>
+              <a:t> January 19, 2018</a:t>
             </a:r>
             <a:endParaRPr lang="en-US" sz="1400" dirty="0"/>
           </a:p>
@@ -6941,11 +6933,7 @@
             </a:r>
             <a:r>
               <a:rPr lang="en-US" sz="1400" dirty="0" smtClean="0"/>
-              <a:t> </a:t>
-            </a:r>
-            <a:r>
-              <a:rPr lang="en-US" sz="1400" dirty="0" smtClean="0"/>
-              <a:t>January 19, 2018</a:t>
+              <a:t> January 19, 2018</a:t>
             </a:r>
             <a:endParaRPr lang="en-US" sz="1400" dirty="0"/>
           </a:p>
@@ -7259,11 +7247,7 @@
             </a:r>
             <a:r>
               <a:rPr lang="en-US" sz="1400" dirty="0" smtClean="0"/>
-              <a:t> </a:t>
-            </a:r>
-            <a:r>
-              <a:rPr lang="en-US" sz="1400" dirty="0" smtClean="0"/>
-              <a:t>January 19, 2018</a:t>
+              <a:t> January 19, 2018</a:t>
             </a:r>
             <a:endParaRPr lang="en-US" sz="1400" dirty="0"/>
           </a:p>
@@ -7577,11 +7561,7 @@
             </a:r>
             <a:r>
               <a:rPr lang="en-US" sz="1400" dirty="0" smtClean="0"/>
-              <a:t> </a:t>
-            </a:r>
-            <a:r>
-              <a:rPr lang="en-US" sz="1400" dirty="0" smtClean="0"/>
-              <a:t>January 19, 2018</a:t>
+              <a:t> January 19, 2018</a:t>
             </a:r>
             <a:endParaRPr lang="en-US" sz="1400" dirty="0"/>
           </a:p>
@@ -7742,11 +7722,7 @@
             </a:r>
             <a:r>
               <a:rPr lang="en-US" sz="1400" dirty="0" smtClean="0"/>
-              <a:t> </a:t>
-            </a:r>
-            <a:r>
-              <a:rPr lang="en-US" sz="1400" dirty="0" smtClean="0"/>
-              <a:t>January 19, 2018</a:t>
+              <a:t> January 19, 2018</a:t>
             </a:r>
             <a:endParaRPr lang="en-US" sz="1400" dirty="0"/>
           </a:p>
@@ -7909,11 +7885,7 @@
             </a:r>
             <a:r>
               <a:rPr lang="en-US" sz="1400" dirty="0" smtClean="0"/>
-              <a:t> </a:t>
-            </a:r>
-            <a:r>
-              <a:rPr lang="en-US" sz="1400" dirty="0" smtClean="0"/>
-              <a:t>January 19, 2018</a:t>
+              <a:t> January 19, 2018</a:t>
             </a:r>
             <a:endParaRPr lang="en-US" sz="1400" dirty="0"/>
           </a:p>
@@ -7973,11 +7945,11 @@
           <a:p>
             <a:r>
               <a:rPr lang="en-US" dirty="0" smtClean="0"/>
-              <a:t>Plan </a:t>
+              <a:t>Brainstorming for </a:t>
             </a:r>
             <a:r>
               <a:rPr lang="en-US" dirty="0" smtClean="0"/>
-              <a:t>for Sprint 4</a:t>
+              <a:t>Sprint 4</a:t>
             </a:r>
             <a:endParaRPr lang="en-US" dirty="0"/>
           </a:p>
@@ -8049,13 +8021,87 @@
             </a:r>
             <a:r>
               <a:rPr lang="en-US" sz="1400" dirty="0" smtClean="0"/>
-              <a:t> </a:t>
-            </a:r>
-            <a:r>
-              <a:rPr lang="en-US" sz="1400" dirty="0" smtClean="0"/>
-              <a:t>January 19, 2018</a:t>
+              <a:t> January 19, 2018</a:t>
             </a:r>
             <a:endParaRPr lang="en-US" sz="1400" dirty="0"/>
+          </a:p>
+        </p:txBody>
+      </p:sp>
+      <p:sp>
+        <p:nvSpPr>
+          <p:cNvPr id="7" name="Content Placeholder 2"/>
+          <p:cNvSpPr>
+            <a:spLocks noGrp="1"/>
+          </p:cNvSpPr>
+          <p:nvPr>
+            <p:ph idx="1"/>
+          </p:nvPr>
+        </p:nvSpPr>
+        <p:spPr>
+          <a:xfrm>
+            <a:off x="677334" y="2160589"/>
+            <a:ext cx="8596668" cy="3880773"/>
+          </a:xfrm>
+        </p:spPr>
+        <p:txBody>
+          <a:bodyPr/>
+          <a:lstStyle/>
+          <a:p>
+            <a:r>
+              <a:rPr lang="en-US" dirty="0" smtClean="0"/>
+              <a:t>User Testing</a:t>
+            </a:r>
+          </a:p>
+          <a:p>
+            <a:r>
+              <a:rPr lang="en-US" dirty="0" smtClean="0"/>
+              <a:t>Move Admin PHP script to AWS</a:t>
+            </a:r>
+          </a:p>
+          <a:p>
+            <a:r>
+              <a:rPr lang="en-US" dirty="0" smtClean="0"/>
+              <a:t>Table View</a:t>
+            </a:r>
+            <a:endParaRPr lang="en-US" dirty="0" smtClean="0"/>
+          </a:p>
+          <a:p>
+            <a:r>
+              <a:rPr lang="en-US" dirty="0" smtClean="0"/>
+              <a:t>Tour route</a:t>
+            </a:r>
+          </a:p>
+          <a:p>
+            <a:pPr lvl="1"/>
+            <a:r>
+              <a:rPr lang="en-US" dirty="0" smtClean="0"/>
+              <a:t>Quick Tour</a:t>
+            </a:r>
+          </a:p>
+          <a:p>
+            <a:pPr lvl="1"/>
+            <a:r>
+              <a:rPr lang="en-US" dirty="0" smtClean="0"/>
+              <a:t>Planned Tour</a:t>
+            </a:r>
+          </a:p>
+          <a:p>
+            <a:pPr lvl="1"/>
+            <a:r>
+              <a:rPr lang="en-US" dirty="0" smtClean="0"/>
+              <a:t>Create Your Own Tour</a:t>
+            </a:r>
+          </a:p>
+          <a:p>
+            <a:r>
+              <a:rPr lang="en-US" dirty="0" smtClean="0"/>
+              <a:t>Tour for Memorial Tree</a:t>
+            </a:r>
+            <a:endParaRPr lang="en-US" dirty="0" smtClean="0"/>
+          </a:p>
+          <a:p>
+            <a:pPr lvl="1"/>
+            <a:endParaRPr lang="en-US" dirty="0"/>
           </a:p>
         </p:txBody>
       </p:sp>
